--- a/Program/Array_Karte.pptx
+++ b/Program/Array_Karte.pptx
@@ -556,6 +556,168 @@
 </inkml:ink>
 </file>
 
+<file path=ppt/ink/ink24.xml><?xml version="1.0" encoding="utf-8"?>
+<inkml:ink xmlns:inkml="http://www.w3.org/2003/InkML">
+  <inkml:definitions>
+    <inkml:context xml:id="ctx0">
+      <inkml:inkSource xml:id="inkSrc0">
+        <inkml:traceFormat>
+          <inkml:channel name="X" type="integer" min="-2.14748E9" max="2.14748E9" units="cm"/>
+          <inkml:channel name="Y" type="integer" min="-2.14748E9" max="2.14748E9" units="cm"/>
+        </inkml:traceFormat>
+        <inkml:channelProperties>
+          <inkml:channelProperty channel="X" name="resolution" value="1000" units="1/cm"/>
+          <inkml:channelProperty channel="Y" name="resolution" value="1000" units="1/cm"/>
+        </inkml:channelProperties>
+      </inkml:inkSource>
+      <inkml:timestamp xml:id="ts0" timeString="2020-08-20T10:49:38.528"/>
+    </inkml:context>
+    <inkml:brush xml:id="br0">
+      <inkml:brushProperty name="width" value="0.1" units="cm"/>
+      <inkml:brushProperty name="height" value="0.1" units="cm"/>
+      <inkml:brushProperty name="color" value="#FF00E5"/>
+      <inkml:brushProperty name="ignorePressure" value="1"/>
+    </inkml:brush>
+  </inkml:definitions>
+  <inkml:trace contextRef="#ctx0" brushRef="#br0">1 1,'3507'0,"-3500"0</inkml:trace>
+</inkml:ink>
+</file>
+
+<file path=ppt/ink/ink25.xml><?xml version="1.0" encoding="utf-8"?>
+<inkml:ink xmlns:inkml="http://www.w3.org/2003/InkML">
+  <inkml:definitions>
+    <inkml:context xml:id="ctx0">
+      <inkml:inkSource xml:id="inkSrc0">
+        <inkml:traceFormat>
+          <inkml:channel name="X" type="integer" min="-2.14748E9" max="2.14748E9" units="cm"/>
+          <inkml:channel name="Y" type="integer" min="-2.14748E9" max="2.14748E9" units="cm"/>
+        </inkml:traceFormat>
+        <inkml:channelProperties>
+          <inkml:channelProperty channel="X" name="resolution" value="1000" units="1/cm"/>
+          <inkml:channelProperty channel="Y" name="resolution" value="1000" units="1/cm"/>
+        </inkml:channelProperties>
+      </inkml:inkSource>
+      <inkml:timestamp xml:id="ts0" timeString="2020-08-20T10:50:06.463"/>
+    </inkml:context>
+    <inkml:brush xml:id="br0">
+      <inkml:brushProperty name="width" value="0.1" units="cm"/>
+      <inkml:brushProperty name="height" value="0.1" units="cm"/>
+      <inkml:brushProperty name="color" value="#FF00E5"/>
+      <inkml:brushProperty name="ignorePressure" value="1"/>
+    </inkml:brush>
+  </inkml:definitions>
+  <inkml:trace contextRef="#ctx0" brushRef="#br0">938 1,'-935'1620,"933"-1617</inkml:trace>
+</inkml:ink>
+</file>
+
+<file path=ppt/ink/ink26.xml><?xml version="1.0" encoding="utf-8"?>
+<inkml:ink xmlns:inkml="http://www.w3.org/2003/InkML">
+  <inkml:definitions>
+    <inkml:context xml:id="ctx0">
+      <inkml:inkSource xml:id="inkSrc0">
+        <inkml:traceFormat>
+          <inkml:channel name="X" type="integer" min="-2.14748E9" max="2.14748E9" units="cm"/>
+          <inkml:channel name="Y" type="integer" min="-2.14748E9" max="2.14748E9" units="cm"/>
+        </inkml:traceFormat>
+        <inkml:channelProperties>
+          <inkml:channelProperty channel="X" name="resolution" value="1000" units="1/cm"/>
+          <inkml:channelProperty channel="Y" name="resolution" value="1000" units="1/cm"/>
+        </inkml:channelProperties>
+      </inkml:inkSource>
+      <inkml:timestamp xml:id="ts0" timeString="2020-08-20T10:50:37.335"/>
+    </inkml:context>
+    <inkml:brush xml:id="br0">
+      <inkml:brushProperty name="width" value="0.1" units="cm"/>
+      <inkml:brushProperty name="height" value="0.1" units="cm"/>
+      <inkml:brushProperty name="color" value="#FF00E5"/>
+      <inkml:brushProperty name="ignorePressure" value="1"/>
+    </inkml:brush>
+  </inkml:definitions>
+  <inkml:trace contextRef="#ctx0" brushRef="#br0">1 1,'505'1653,"-503"-1648</inkml:trace>
+</inkml:ink>
+</file>
+
+<file path=ppt/ink/ink27.xml><?xml version="1.0" encoding="utf-8"?>
+<inkml:ink xmlns:inkml="http://www.w3.org/2003/InkML">
+  <inkml:definitions>
+    <inkml:context xml:id="ctx0">
+      <inkml:inkSource xml:id="inkSrc0">
+        <inkml:traceFormat>
+          <inkml:channel name="X" type="integer" min="-2.14748E9" max="2.14748E9" units="cm"/>
+          <inkml:channel name="Y" type="integer" min="-2.14748E9" max="2.14748E9" units="cm"/>
+        </inkml:traceFormat>
+        <inkml:channelProperties>
+          <inkml:channelProperty channel="X" name="resolution" value="1000" units="1/cm"/>
+          <inkml:channelProperty channel="Y" name="resolution" value="1000" units="1/cm"/>
+        </inkml:channelProperties>
+      </inkml:inkSource>
+      <inkml:timestamp xml:id="ts0" timeString="2020-08-20T10:51:08.395"/>
+    </inkml:context>
+    <inkml:brush xml:id="br0">
+      <inkml:brushProperty name="width" value="0.1" units="cm"/>
+      <inkml:brushProperty name="height" value="0.1" units="cm"/>
+      <inkml:brushProperty name="color" value="#FF00E5"/>
+      <inkml:brushProperty name="ignorePressure" value="1"/>
+    </inkml:brush>
+  </inkml:definitions>
+  <inkml:trace contextRef="#ctx0" brushRef="#br0">0 0,'4425'0,"-4421"0</inkml:trace>
+</inkml:ink>
+</file>
+
+<file path=ppt/ink/ink28.xml><?xml version="1.0" encoding="utf-8"?>
+<inkml:ink xmlns:inkml="http://www.w3.org/2003/InkML">
+  <inkml:definitions>
+    <inkml:context xml:id="ctx0">
+      <inkml:inkSource xml:id="inkSrc0">
+        <inkml:traceFormat>
+          <inkml:channel name="X" type="integer" min="-2.14748E9" max="2.14748E9" units="cm"/>
+          <inkml:channel name="Y" type="integer" min="-2.14748E9" max="2.14748E9" units="cm"/>
+        </inkml:traceFormat>
+        <inkml:channelProperties>
+          <inkml:channelProperty channel="X" name="resolution" value="1000" units="1/cm"/>
+          <inkml:channelProperty channel="Y" name="resolution" value="1000" units="1/cm"/>
+        </inkml:channelProperties>
+      </inkml:inkSource>
+      <inkml:timestamp xml:id="ts0" timeString="2020-08-20T10:51:43.782"/>
+    </inkml:context>
+    <inkml:brush xml:id="br0">
+      <inkml:brushProperty name="width" value="0.1" units="cm"/>
+      <inkml:brushProperty name="height" value="0.1" units="cm"/>
+      <inkml:brushProperty name="color" value="#FF00E5"/>
+      <inkml:brushProperty name="ignorePressure" value="1"/>
+    </inkml:brush>
+  </inkml:definitions>
+  <inkml:trace contextRef="#ctx0" brushRef="#br0">69 0,'-67'235,"65"-230</inkml:trace>
+</inkml:ink>
+</file>
+
+<file path=ppt/ink/ink29.xml><?xml version="1.0" encoding="utf-8"?>
+<inkml:ink xmlns:inkml="http://www.w3.org/2003/InkML">
+  <inkml:definitions>
+    <inkml:context xml:id="ctx0">
+      <inkml:inkSource xml:id="inkSrc0">
+        <inkml:traceFormat>
+          <inkml:channel name="X" type="integer" min="-2.14748E9" max="2.14748E9" units="cm"/>
+          <inkml:channel name="Y" type="integer" min="-2.14748E9" max="2.14748E9" units="cm"/>
+        </inkml:traceFormat>
+        <inkml:channelProperties>
+          <inkml:channelProperty channel="X" name="resolution" value="1000" units="1/cm"/>
+          <inkml:channelProperty channel="Y" name="resolution" value="1000" units="1/cm"/>
+        </inkml:channelProperties>
+      </inkml:inkSource>
+      <inkml:timestamp xml:id="ts0" timeString="2020-08-20T10:51:48.630"/>
+    </inkml:context>
+    <inkml:brush xml:id="br0">
+      <inkml:brushProperty name="width" value="0.1" units="cm"/>
+      <inkml:brushProperty name="height" value="0.1" units="cm"/>
+      <inkml:brushProperty name="color" value="#FF00E5"/>
+      <inkml:brushProperty name="ignorePressure" value="1"/>
+    </inkml:brush>
+  </inkml:definitions>
+  <inkml:trace contextRef="#ctx0" brushRef="#br0">185 1,'-183'639,"181"-634</inkml:trace>
+</inkml:ink>
+</file>
+
 <file path=ppt/ink/ink3.xml><?xml version="1.0" encoding="utf-8"?>
 <inkml:ink xmlns:inkml="http://www.w3.org/2003/InkML">
   <inkml:definitions>
@@ -580,6 +742,87 @@
     </inkml:brush>
   </inkml:definitions>
   <inkml:trace contextRef="#ctx0" brushRef="#br0">1 745,'2980'-742,"-2973"740</inkml:trace>
+</inkml:ink>
+</file>
+
+<file path=ppt/ink/ink30.xml><?xml version="1.0" encoding="utf-8"?>
+<inkml:ink xmlns:inkml="http://www.w3.org/2003/InkML">
+  <inkml:definitions>
+    <inkml:context xml:id="ctx0">
+      <inkml:inkSource xml:id="inkSrc0">
+        <inkml:traceFormat>
+          <inkml:channel name="X" type="integer" min="-2.14748E9" max="2.14748E9" units="cm"/>
+          <inkml:channel name="Y" type="integer" min="-2.14748E9" max="2.14748E9" units="cm"/>
+        </inkml:traceFormat>
+        <inkml:channelProperties>
+          <inkml:channelProperty channel="X" name="resolution" value="1000" units="1/cm"/>
+          <inkml:channelProperty channel="Y" name="resolution" value="1000" units="1/cm"/>
+        </inkml:channelProperties>
+      </inkml:inkSource>
+      <inkml:timestamp xml:id="ts0" timeString="2020-08-20T10:52:52.095"/>
+    </inkml:context>
+    <inkml:brush xml:id="br0">
+      <inkml:brushProperty name="width" value="0.1" units="cm"/>
+      <inkml:brushProperty name="height" value="0.1" units="cm"/>
+      <inkml:brushProperty name="color" value="#FF00E5"/>
+      <inkml:brushProperty name="ignorePressure" value="1"/>
+    </inkml:brush>
+  </inkml:definitions>
+  <inkml:trace contextRef="#ctx0" brushRef="#br0">1 0,'34'64,"-32"-60</inkml:trace>
+</inkml:ink>
+</file>
+
+<file path=ppt/ink/ink31.xml><?xml version="1.0" encoding="utf-8"?>
+<inkml:ink xmlns:inkml="http://www.w3.org/2003/InkML">
+  <inkml:definitions>
+    <inkml:context xml:id="ctx0">
+      <inkml:inkSource xml:id="inkSrc0">
+        <inkml:traceFormat>
+          <inkml:channel name="X" type="integer" min="-2.14748E9" max="2.14748E9" units="cm"/>
+          <inkml:channel name="Y" type="integer" min="-2.14748E9" max="2.14748E9" units="cm"/>
+        </inkml:traceFormat>
+        <inkml:channelProperties>
+          <inkml:channelProperty channel="X" name="resolution" value="1000" units="1/cm"/>
+          <inkml:channelProperty channel="Y" name="resolution" value="1000" units="1/cm"/>
+        </inkml:channelProperties>
+      </inkml:inkSource>
+      <inkml:timestamp xml:id="ts0" timeString="2020-08-20T10:53:04.312"/>
+    </inkml:context>
+    <inkml:brush xml:id="br0">
+      <inkml:brushProperty name="width" value="0.1" units="cm"/>
+      <inkml:brushProperty name="height" value="0.1" units="cm"/>
+      <inkml:brushProperty name="color" value="#FF00E5"/>
+      <inkml:brushProperty name="ignorePressure" value="1"/>
+    </inkml:brush>
+  </inkml:definitions>
+  <inkml:trace contextRef="#ctx0" brushRef="#br0">1 1,'640'1205,"-637"-1200</inkml:trace>
+</inkml:ink>
+</file>
+
+<file path=ppt/ink/ink32.xml><?xml version="1.0" encoding="utf-8"?>
+<inkml:ink xmlns:inkml="http://www.w3.org/2003/InkML">
+  <inkml:definitions>
+    <inkml:context xml:id="ctx0">
+      <inkml:inkSource xml:id="inkSrc0">
+        <inkml:traceFormat>
+          <inkml:channel name="X" type="integer" min="-2.14748E9" max="2.14748E9" units="cm"/>
+          <inkml:channel name="Y" type="integer" min="-2.14748E9" max="2.14748E9" units="cm"/>
+        </inkml:traceFormat>
+        <inkml:channelProperties>
+          <inkml:channelProperty channel="X" name="resolution" value="1000" units="1/cm"/>
+          <inkml:channelProperty channel="Y" name="resolution" value="1000" units="1/cm"/>
+        </inkml:channelProperties>
+      </inkml:inkSource>
+      <inkml:timestamp xml:id="ts0" timeString="2020-08-20T10:55:00.180"/>
+    </inkml:context>
+    <inkml:brush xml:id="br0">
+      <inkml:brushProperty name="width" value="0.1" units="cm"/>
+      <inkml:brushProperty name="height" value="0.1" units="cm"/>
+      <inkml:brushProperty name="color" value="#FF00E5"/>
+      <inkml:brushProperty name="ignorePressure" value="1"/>
+    </inkml:brush>
+  </inkml:definitions>
+  <inkml:trace contextRef="#ctx0" brushRef="#br0">0 0,'625'1176,"-622"-1171</inkml:trace>
 </inkml:ink>
 </file>
 
@@ -892,7 +1135,7 @@
           <a:p>
             <a:fld id="{DA280A0C-7683-4EB5-B0EE-D45EF6AE3F17}" type="datetimeFigureOut">
               <a:rPr lang="de-DE" smtClean="0"/>
-              <a:t>09.08.2020</a:t>
+              <a:t>20.08.2020</a:t>
             </a:fld>
             <a:endParaRPr lang="de-DE"/>
           </a:p>
@@ -1090,7 +1333,7 @@
           <a:p>
             <a:fld id="{DA280A0C-7683-4EB5-B0EE-D45EF6AE3F17}" type="datetimeFigureOut">
               <a:rPr lang="de-DE" smtClean="0"/>
-              <a:t>09.08.2020</a:t>
+              <a:t>20.08.2020</a:t>
             </a:fld>
             <a:endParaRPr lang="de-DE"/>
           </a:p>
@@ -1298,7 +1541,7 @@
           <a:p>
             <a:fld id="{DA280A0C-7683-4EB5-B0EE-D45EF6AE3F17}" type="datetimeFigureOut">
               <a:rPr lang="de-DE" smtClean="0"/>
-              <a:t>09.08.2020</a:t>
+              <a:t>20.08.2020</a:t>
             </a:fld>
             <a:endParaRPr lang="de-DE"/>
           </a:p>
@@ -1496,7 +1739,7 @@
           <a:p>
             <a:fld id="{DA280A0C-7683-4EB5-B0EE-D45EF6AE3F17}" type="datetimeFigureOut">
               <a:rPr lang="de-DE" smtClean="0"/>
-              <a:t>09.08.2020</a:t>
+              <a:t>20.08.2020</a:t>
             </a:fld>
             <a:endParaRPr lang="de-DE"/>
           </a:p>
@@ -1771,7 +2014,7 @@
           <a:p>
             <a:fld id="{DA280A0C-7683-4EB5-B0EE-D45EF6AE3F17}" type="datetimeFigureOut">
               <a:rPr lang="de-DE" smtClean="0"/>
-              <a:t>09.08.2020</a:t>
+              <a:t>20.08.2020</a:t>
             </a:fld>
             <a:endParaRPr lang="de-DE"/>
           </a:p>
@@ -2036,7 +2279,7 @@
           <a:p>
             <a:fld id="{DA280A0C-7683-4EB5-B0EE-D45EF6AE3F17}" type="datetimeFigureOut">
               <a:rPr lang="de-DE" smtClean="0"/>
-              <a:t>09.08.2020</a:t>
+              <a:t>20.08.2020</a:t>
             </a:fld>
             <a:endParaRPr lang="de-DE"/>
           </a:p>
@@ -2448,7 +2691,7 @@
           <a:p>
             <a:fld id="{DA280A0C-7683-4EB5-B0EE-D45EF6AE3F17}" type="datetimeFigureOut">
               <a:rPr lang="de-DE" smtClean="0"/>
-              <a:t>09.08.2020</a:t>
+              <a:t>20.08.2020</a:t>
             </a:fld>
             <a:endParaRPr lang="de-DE"/>
           </a:p>
@@ -2589,7 +2832,7 @@
           <a:p>
             <a:fld id="{DA280A0C-7683-4EB5-B0EE-D45EF6AE3F17}" type="datetimeFigureOut">
               <a:rPr lang="de-DE" smtClean="0"/>
-              <a:t>09.08.2020</a:t>
+              <a:t>20.08.2020</a:t>
             </a:fld>
             <a:endParaRPr lang="de-DE"/>
           </a:p>
@@ -2702,7 +2945,7 @@
           <a:p>
             <a:fld id="{DA280A0C-7683-4EB5-B0EE-D45EF6AE3F17}" type="datetimeFigureOut">
               <a:rPr lang="de-DE" smtClean="0"/>
-              <a:t>09.08.2020</a:t>
+              <a:t>20.08.2020</a:t>
             </a:fld>
             <a:endParaRPr lang="de-DE"/>
           </a:p>
@@ -3013,7 +3256,7 @@
           <a:p>
             <a:fld id="{DA280A0C-7683-4EB5-B0EE-D45EF6AE3F17}" type="datetimeFigureOut">
               <a:rPr lang="de-DE" smtClean="0"/>
-              <a:t>09.08.2020</a:t>
+              <a:t>20.08.2020</a:t>
             </a:fld>
             <a:endParaRPr lang="de-DE"/>
           </a:p>
@@ -3301,7 +3544,7 @@
           <a:p>
             <a:fld id="{DA280A0C-7683-4EB5-B0EE-D45EF6AE3F17}" type="datetimeFigureOut">
               <a:rPr lang="de-DE" smtClean="0"/>
-              <a:t>09.08.2020</a:t>
+              <a:t>20.08.2020</a:t>
             </a:fld>
             <a:endParaRPr lang="de-DE"/>
           </a:p>
@@ -3542,7 +3785,7 @@
           <a:p>
             <a:fld id="{DA280A0C-7683-4EB5-B0EE-D45EF6AE3F17}" type="datetimeFigureOut">
               <a:rPr lang="de-DE" smtClean="0"/>
-              <a:t>09.08.2020</a:t>
+              <a:t>20.08.2020</a:t>
             </a:fld>
             <a:endParaRPr lang="de-DE"/>
           </a:p>
@@ -17466,6 +17709,115 @@
           <a:chExt cx="0" cy="0"/>
         </a:xfrm>
       </p:grpSpPr>
+      <p:sp>
+        <p:nvSpPr>
+          <p:cNvPr id="22" name="Sechseck 21">
+            <a:extLst>
+              <a:ext uri="{FF2B5EF4-FFF2-40B4-BE49-F238E27FC236}">
+                <a16:creationId xmlns:a16="http://schemas.microsoft.com/office/drawing/2014/main" id="{56C86874-EDB3-4BC1-BC7D-4FDA72C6AF18}"/>
+              </a:ext>
+            </a:extLst>
+          </p:cNvPr>
+          <p:cNvSpPr/>
+          <p:nvPr/>
+        </p:nvSpPr>
+        <p:spPr>
+          <a:xfrm>
+            <a:off x="5213800" y="4101731"/>
+            <a:ext cx="1932379" cy="1208142"/>
+          </a:xfrm>
+          <a:prstGeom prst="hexagon">
+            <a:avLst>
+              <a:gd name="adj" fmla="val 28821"/>
+              <a:gd name="vf" fmla="val 115470"/>
+            </a:avLst>
+          </a:prstGeom>
+          <a:solidFill>
+            <a:srgbClr val="FF00E5"/>
+          </a:solidFill>
+          <a:ln>
+            <a:noFill/>
+          </a:ln>
+        </p:spPr>
+        <p:style>
+          <a:lnRef idx="2">
+            <a:schemeClr val="accent1">
+              <a:shade val="50000"/>
+            </a:schemeClr>
+          </a:lnRef>
+          <a:fillRef idx="1">
+            <a:schemeClr val="accent1"/>
+          </a:fillRef>
+          <a:effectRef idx="0">
+            <a:schemeClr val="accent1"/>
+          </a:effectRef>
+          <a:fontRef idx="minor">
+            <a:schemeClr val="lt1"/>
+          </a:fontRef>
+        </p:style>
+        <p:txBody>
+          <a:bodyPr rtlCol="0" anchor="ctr"/>
+          <a:lstStyle/>
+          <a:p>
+            <a:pPr algn="ctr"/>
+            <a:endParaRPr lang="de-DE"/>
+          </a:p>
+        </p:txBody>
+      </p:sp>
+      <p:sp>
+        <p:nvSpPr>
+          <p:cNvPr id="23" name="Trapezoid 22">
+            <a:extLst>
+              <a:ext uri="{FF2B5EF4-FFF2-40B4-BE49-F238E27FC236}">
+                <a16:creationId xmlns:a16="http://schemas.microsoft.com/office/drawing/2014/main" id="{E5F27B2A-8722-4C3F-98B3-59CF0AF6A3E5}"/>
+              </a:ext>
+            </a:extLst>
+          </p:cNvPr>
+          <p:cNvSpPr/>
+          <p:nvPr/>
+        </p:nvSpPr>
+        <p:spPr>
+          <a:xfrm flipV="1">
+            <a:off x="5211602" y="4712500"/>
+            <a:ext cx="1953437" cy="629960"/>
+          </a:xfrm>
+          <a:prstGeom prst="trapezoid">
+            <a:avLst>
+              <a:gd name="adj" fmla="val 30170"/>
+            </a:avLst>
+          </a:prstGeom>
+          <a:solidFill>
+            <a:srgbClr val="FF00E5"/>
+          </a:solidFill>
+          <a:ln>
+            <a:noFill/>
+          </a:ln>
+        </p:spPr>
+        <p:style>
+          <a:lnRef idx="2">
+            <a:schemeClr val="accent1">
+              <a:shade val="50000"/>
+            </a:schemeClr>
+          </a:lnRef>
+          <a:fillRef idx="1">
+            <a:schemeClr val="accent1"/>
+          </a:fillRef>
+          <a:effectRef idx="0">
+            <a:schemeClr val="accent1"/>
+          </a:effectRef>
+          <a:fontRef idx="minor">
+            <a:schemeClr val="lt1"/>
+          </a:fontRef>
+        </p:style>
+        <p:txBody>
+          <a:bodyPr rtlCol="0" anchor="ctr"/>
+          <a:lstStyle/>
+          <a:p>
+            <a:pPr algn="ctr"/>
+            <a:endParaRPr lang="de-DE"/>
+          </a:p>
+        </p:txBody>
+      </p:sp>
       <p:pic>
         <p:nvPicPr>
           <p:cNvPr id="5" name="Grafik 4">
@@ -17502,8 +17854,117 @@
           </a:prstGeom>
         </p:spPr>
       </p:pic>
-      <mc:AlternateContent xmlns:mc="http://schemas.openxmlformats.org/markup-compatibility/2006">
-        <mc:Choice xmlns:p14="http://schemas.microsoft.com/office/powerpoint/2010/main" Requires="p14">
+      <p:sp>
+        <p:nvSpPr>
+          <p:cNvPr id="56" name="Sechseck 55">
+            <a:extLst>
+              <a:ext uri="{FF2B5EF4-FFF2-40B4-BE49-F238E27FC236}">
+                <a16:creationId xmlns:a16="http://schemas.microsoft.com/office/drawing/2014/main" id="{35428AB8-EACF-4A59-82F1-23FECDFB8CBA}"/>
+              </a:ext>
+            </a:extLst>
+          </p:cNvPr>
+          <p:cNvSpPr/>
+          <p:nvPr/>
+        </p:nvSpPr>
+        <p:spPr>
+          <a:xfrm>
+            <a:off x="5256609" y="4115122"/>
+            <a:ext cx="1935656" cy="1225303"/>
+          </a:xfrm>
+          <a:prstGeom prst="hexagon">
+            <a:avLst>
+              <a:gd name="adj" fmla="val 26259"/>
+              <a:gd name="vf" fmla="val 115470"/>
+            </a:avLst>
+          </a:prstGeom>
+          <a:solidFill>
+            <a:srgbClr val="FF00E5"/>
+          </a:solidFill>
+          <a:ln>
+            <a:noFill/>
+          </a:ln>
+        </p:spPr>
+        <p:style>
+          <a:lnRef idx="2">
+            <a:schemeClr val="accent1">
+              <a:shade val="50000"/>
+            </a:schemeClr>
+          </a:lnRef>
+          <a:fillRef idx="1">
+            <a:schemeClr val="accent1"/>
+          </a:fillRef>
+          <a:effectRef idx="0">
+            <a:schemeClr val="accent1"/>
+          </a:effectRef>
+          <a:fontRef idx="minor">
+            <a:schemeClr val="lt1"/>
+          </a:fontRef>
+        </p:style>
+        <p:txBody>
+          <a:bodyPr rtlCol="0" anchor="ctr"/>
+          <a:lstStyle/>
+          <a:p>
+            <a:pPr algn="ctr"/>
+            <a:endParaRPr lang="de-DE"/>
+          </a:p>
+        </p:txBody>
+      </p:sp>
+      <p:sp>
+        <p:nvSpPr>
+          <p:cNvPr id="75" name="Trapezoid 74">
+            <a:extLst>
+              <a:ext uri="{FF2B5EF4-FFF2-40B4-BE49-F238E27FC236}">
+                <a16:creationId xmlns:a16="http://schemas.microsoft.com/office/drawing/2014/main" id="{D81E6F63-AE50-4A9E-9276-E775A0876FB4}"/>
+              </a:ext>
+            </a:extLst>
+          </p:cNvPr>
+          <p:cNvSpPr/>
+          <p:nvPr/>
+        </p:nvSpPr>
+        <p:spPr>
+          <a:xfrm flipV="1">
+            <a:off x="5245946" y="4735759"/>
+            <a:ext cx="1953437" cy="608948"/>
+          </a:xfrm>
+          <a:prstGeom prst="trapezoid">
+            <a:avLst>
+              <a:gd name="adj" fmla="val 28997"/>
+            </a:avLst>
+          </a:prstGeom>
+          <a:solidFill>
+            <a:srgbClr val="FF00E5"/>
+          </a:solidFill>
+          <a:ln>
+            <a:noFill/>
+          </a:ln>
+        </p:spPr>
+        <p:style>
+          <a:lnRef idx="2">
+            <a:schemeClr val="accent1">
+              <a:shade val="50000"/>
+            </a:schemeClr>
+          </a:lnRef>
+          <a:fillRef idx="1">
+            <a:schemeClr val="accent1"/>
+          </a:fillRef>
+          <a:effectRef idx="0">
+            <a:schemeClr val="accent1"/>
+          </a:effectRef>
+          <a:fontRef idx="minor">
+            <a:schemeClr val="lt1"/>
+          </a:fontRef>
+        </p:style>
+        <p:txBody>
+          <a:bodyPr rtlCol="0" anchor="ctr"/>
+          <a:lstStyle/>
+          <a:p>
+            <a:pPr algn="ctr"/>
+            <a:endParaRPr lang="de-DE"/>
+          </a:p>
+        </p:txBody>
+      </p:sp>
+      <mc:AlternateContent xmlns:mc="http://schemas.openxmlformats.org/markup-compatibility/2006" xmlns:p14="http://schemas.microsoft.com/office/powerpoint/2010/main">
+        <mc:Choice Requires="p14">
           <p:contentPart p14:bwMode="auto" r:id="rId3">
             <p14:nvContentPartPr>
               <p14:cNvPr id="57" name="Freihand 56">
@@ -17522,7 +17983,7 @@
             </p14:xfrm>
           </p:contentPart>
         </mc:Choice>
-        <mc:Fallback>
+        <mc:Fallback xmlns="">
           <p:pic>
             <p:nvPicPr>
               <p:cNvPr id="57" name="Freihand 56">
@@ -17553,8 +18014,8 @@
           </p:pic>
         </mc:Fallback>
       </mc:AlternateContent>
-      <mc:AlternateContent xmlns:mc="http://schemas.openxmlformats.org/markup-compatibility/2006">
-        <mc:Choice xmlns:p14="http://schemas.microsoft.com/office/powerpoint/2010/main" Requires="p14">
+      <mc:AlternateContent xmlns:mc="http://schemas.openxmlformats.org/markup-compatibility/2006" xmlns:p14="http://schemas.microsoft.com/office/powerpoint/2010/main">
+        <mc:Choice Requires="p14">
           <p:contentPart p14:bwMode="auto" r:id="rId5">
             <p14:nvContentPartPr>
               <p14:cNvPr id="58" name="Freihand 57">
@@ -17573,7 +18034,7 @@
             </p14:xfrm>
           </p:contentPart>
         </mc:Choice>
-        <mc:Fallback>
+        <mc:Fallback xmlns="">
           <p:pic>
             <p:nvPicPr>
               <p:cNvPr id="58" name="Freihand 57">
@@ -17604,8 +18065,8 @@
           </p:pic>
         </mc:Fallback>
       </mc:AlternateContent>
-      <mc:AlternateContent xmlns:mc="http://schemas.openxmlformats.org/markup-compatibility/2006">
-        <mc:Choice xmlns:p14="http://schemas.microsoft.com/office/powerpoint/2010/main" Requires="p14">
+      <mc:AlternateContent xmlns:mc="http://schemas.openxmlformats.org/markup-compatibility/2006" xmlns:p14="http://schemas.microsoft.com/office/powerpoint/2010/main">
+        <mc:Choice Requires="p14">
           <p:contentPart p14:bwMode="auto" r:id="rId7">
             <p14:nvContentPartPr>
               <p14:cNvPr id="59" name="Freihand 58">
@@ -17624,7 +18085,7 @@
             </p14:xfrm>
           </p:contentPart>
         </mc:Choice>
-        <mc:Fallback>
+        <mc:Fallback xmlns="">
           <p:pic>
             <p:nvPicPr>
               <p:cNvPr id="59" name="Freihand 58">
@@ -17655,8 +18116,8 @@
           </p:pic>
         </mc:Fallback>
       </mc:AlternateContent>
-      <mc:AlternateContent xmlns:mc="http://schemas.openxmlformats.org/markup-compatibility/2006">
-        <mc:Choice xmlns:p14="http://schemas.microsoft.com/office/powerpoint/2010/main" Requires="p14">
+      <mc:AlternateContent xmlns:mc="http://schemas.openxmlformats.org/markup-compatibility/2006" xmlns:p14="http://schemas.microsoft.com/office/powerpoint/2010/main">
+        <mc:Choice Requires="p14">
           <p:contentPart p14:bwMode="auto" r:id="rId9">
             <p14:nvContentPartPr>
               <p14:cNvPr id="60" name="Freihand 59">
@@ -17675,7 +18136,7 @@
             </p14:xfrm>
           </p:contentPart>
         </mc:Choice>
-        <mc:Fallback>
+        <mc:Fallback xmlns="">
           <p:pic>
             <p:nvPicPr>
               <p:cNvPr id="60" name="Freihand 59">
@@ -17706,8 +18167,8 @@
           </p:pic>
         </mc:Fallback>
       </mc:AlternateContent>
-      <mc:AlternateContent xmlns:mc="http://schemas.openxmlformats.org/markup-compatibility/2006">
-        <mc:Choice xmlns:p14="http://schemas.microsoft.com/office/powerpoint/2010/main" Requires="p14">
+      <mc:AlternateContent xmlns:mc="http://schemas.openxmlformats.org/markup-compatibility/2006" xmlns:p14="http://schemas.microsoft.com/office/powerpoint/2010/main">
+        <mc:Choice Requires="p14">
           <p:contentPart p14:bwMode="auto" r:id="rId11">
             <p14:nvContentPartPr>
               <p14:cNvPr id="61" name="Freihand 60">
@@ -17726,7 +18187,7 @@
             </p14:xfrm>
           </p:contentPart>
         </mc:Choice>
-        <mc:Fallback>
+        <mc:Fallback xmlns="">
           <p:pic>
             <p:nvPicPr>
               <p:cNvPr id="61" name="Freihand 60">
@@ -17757,8 +18218,8 @@
           </p:pic>
         </mc:Fallback>
       </mc:AlternateContent>
-      <mc:AlternateContent xmlns:mc="http://schemas.openxmlformats.org/markup-compatibility/2006">
-        <mc:Choice xmlns:p14="http://schemas.microsoft.com/office/powerpoint/2010/main" Requires="p14">
+      <mc:AlternateContent xmlns:mc="http://schemas.openxmlformats.org/markup-compatibility/2006" xmlns:p14="http://schemas.microsoft.com/office/powerpoint/2010/main">
+        <mc:Choice Requires="p14">
           <p:contentPart p14:bwMode="auto" r:id="rId13">
             <p14:nvContentPartPr>
               <p14:cNvPr id="62" name="Freihand 61">
@@ -17777,7 +18238,7 @@
             </p14:xfrm>
           </p:contentPart>
         </mc:Choice>
-        <mc:Fallback>
+        <mc:Fallback xmlns="">
           <p:pic>
             <p:nvPicPr>
               <p:cNvPr id="62" name="Freihand 61">
@@ -17808,8 +18269,8 @@
           </p:pic>
         </mc:Fallback>
       </mc:AlternateContent>
-      <mc:AlternateContent xmlns:mc="http://schemas.openxmlformats.org/markup-compatibility/2006">
-        <mc:Choice xmlns:p14="http://schemas.microsoft.com/office/powerpoint/2010/main" Requires="p14">
+      <mc:AlternateContent xmlns:mc="http://schemas.openxmlformats.org/markup-compatibility/2006" xmlns:p14="http://schemas.microsoft.com/office/powerpoint/2010/main">
+        <mc:Choice Requires="p14">
           <p:contentPart p14:bwMode="auto" r:id="rId15">
             <p14:nvContentPartPr>
               <p14:cNvPr id="63" name="Freihand 62">
@@ -17828,7 +18289,7 @@
             </p14:xfrm>
           </p:contentPart>
         </mc:Choice>
-        <mc:Fallback>
+        <mc:Fallback xmlns="">
           <p:pic>
             <p:nvPicPr>
               <p:cNvPr id="63" name="Freihand 62">
@@ -17859,8 +18320,8 @@
           </p:pic>
         </mc:Fallback>
       </mc:AlternateContent>
-      <mc:AlternateContent xmlns:mc="http://schemas.openxmlformats.org/markup-compatibility/2006">
-        <mc:Choice xmlns:p14="http://schemas.microsoft.com/office/powerpoint/2010/main" Requires="p14">
+      <mc:AlternateContent xmlns:mc="http://schemas.openxmlformats.org/markup-compatibility/2006" xmlns:p14="http://schemas.microsoft.com/office/powerpoint/2010/main">
+        <mc:Choice Requires="p14">
           <p:contentPart p14:bwMode="auto" r:id="rId17">
             <p14:nvContentPartPr>
               <p14:cNvPr id="64" name="Freihand 63">
@@ -17879,7 +18340,7 @@
             </p14:xfrm>
           </p:contentPart>
         </mc:Choice>
-        <mc:Fallback>
+        <mc:Fallback xmlns="">
           <p:pic>
             <p:nvPicPr>
               <p:cNvPr id="64" name="Freihand 63">
@@ -17910,8 +18371,8 @@
           </p:pic>
         </mc:Fallback>
       </mc:AlternateContent>
-      <mc:AlternateContent xmlns:mc="http://schemas.openxmlformats.org/markup-compatibility/2006">
-        <mc:Choice xmlns:p14="http://schemas.microsoft.com/office/powerpoint/2010/main" Requires="p14">
+      <mc:AlternateContent xmlns:mc="http://schemas.openxmlformats.org/markup-compatibility/2006" xmlns:p14="http://schemas.microsoft.com/office/powerpoint/2010/main">
+        <mc:Choice Requires="p14">
           <p:contentPart p14:bwMode="auto" r:id="rId19">
             <p14:nvContentPartPr>
               <p14:cNvPr id="66" name="Freihand 65">
@@ -17930,7 +18391,7 @@
             </p14:xfrm>
           </p:contentPart>
         </mc:Choice>
-        <mc:Fallback>
+        <mc:Fallback xmlns="">
           <p:pic>
             <p:nvPicPr>
               <p:cNvPr id="66" name="Freihand 65">
@@ -18002,8 +18463,8 @@
             </p:blipFill>
             <p:spPr>
               <a:xfrm>
-                <a:off x="7008073" y="4872303"/>
-                <a:ext cx="414720" cy="504000"/>
+                <a:off x="7007713" y="4871929"/>
+                <a:ext cx="414720" cy="504027"/>
               </a:xfrm>
               <a:prstGeom prst="rect">
                 <a:avLst/>
@@ -18053,7 +18514,7 @@
             </p:blipFill>
             <p:spPr>
               <a:xfrm>
-                <a:off x="5126353" y="5336703"/>
+                <a:off x="5126353" y="5336343"/>
                 <a:ext cx="1911960" cy="36000"/>
               </a:xfrm>
               <a:prstGeom prst="rect">
@@ -18063,8 +18524,8 @@
           </p:pic>
         </mc:Fallback>
       </mc:AlternateContent>
-      <mc:AlternateContent xmlns:mc="http://schemas.openxmlformats.org/markup-compatibility/2006">
-        <mc:Choice xmlns:p14="http://schemas.microsoft.com/office/powerpoint/2010/main" Requires="p14">
+      <mc:AlternateContent xmlns:mc="http://schemas.openxmlformats.org/markup-compatibility/2006" xmlns:p14="http://schemas.microsoft.com/office/powerpoint/2010/main">
+        <mc:Choice Requires="p14">
           <p:contentPart p14:bwMode="auto" r:id="rId25">
             <p14:nvContentPartPr>
               <p14:cNvPr id="69" name="Freihand 68">
@@ -18083,7 +18544,7 @@
             </p14:xfrm>
           </p:contentPart>
         </mc:Choice>
-        <mc:Fallback>
+        <mc:Fallback xmlns="">
           <p:pic>
             <p:nvPicPr>
               <p:cNvPr id="69" name="Freihand 68">
@@ -18114,8 +18575,8 @@
           </p:pic>
         </mc:Fallback>
       </mc:AlternateContent>
-      <mc:AlternateContent xmlns:mc="http://schemas.openxmlformats.org/markup-compatibility/2006">
-        <mc:Choice xmlns:p14="http://schemas.microsoft.com/office/powerpoint/2010/main" Requires="p14">
+      <mc:AlternateContent xmlns:mc="http://schemas.openxmlformats.org/markup-compatibility/2006" xmlns:p14="http://schemas.microsoft.com/office/powerpoint/2010/main">
+        <mc:Choice Requires="p14">
           <p:contentPart p14:bwMode="auto" r:id="rId27">
             <p14:nvContentPartPr>
               <p14:cNvPr id="70" name="Freihand 69">
@@ -18134,7 +18595,7 @@
             </p14:xfrm>
           </p:contentPart>
         </mc:Choice>
-        <mc:Fallback>
+        <mc:Fallback xmlns="">
           <p:pic>
             <p:nvPicPr>
               <p:cNvPr id="70" name="Freihand 69">
@@ -18165,8 +18626,8 @@
           </p:pic>
         </mc:Fallback>
       </mc:AlternateContent>
-      <mc:AlternateContent xmlns:mc="http://schemas.openxmlformats.org/markup-compatibility/2006">
-        <mc:Choice xmlns:p14="http://schemas.microsoft.com/office/powerpoint/2010/main" Requires="p14">
+      <mc:AlternateContent xmlns:mc="http://schemas.openxmlformats.org/markup-compatibility/2006" xmlns:p14="http://schemas.microsoft.com/office/powerpoint/2010/main">
+        <mc:Choice Requires="p14">
           <p:contentPart p14:bwMode="auto" r:id="rId29">
             <p14:nvContentPartPr>
               <p14:cNvPr id="71" name="Freihand 70">
@@ -18185,7 +18646,7 @@
             </p14:xfrm>
           </p:contentPart>
         </mc:Choice>
-        <mc:Fallback>
+        <mc:Fallback xmlns="">
           <p:pic>
             <p:nvPicPr>
               <p:cNvPr id="71" name="Freihand 70">
@@ -18216,8 +18677,8 @@
           </p:pic>
         </mc:Fallback>
       </mc:AlternateContent>
-      <mc:AlternateContent xmlns:mc="http://schemas.openxmlformats.org/markup-compatibility/2006">
-        <mc:Choice xmlns:p14="http://schemas.microsoft.com/office/powerpoint/2010/main" Requires="p14">
+      <mc:AlternateContent xmlns:mc="http://schemas.openxmlformats.org/markup-compatibility/2006" xmlns:p14="http://schemas.microsoft.com/office/powerpoint/2010/main">
+        <mc:Choice Requires="p14">
           <p:contentPart p14:bwMode="auto" r:id="rId31">
             <p14:nvContentPartPr>
               <p14:cNvPr id="72" name="Freihand 71">
@@ -18236,7 +18697,7 @@
             </p14:xfrm>
           </p:contentPart>
         </mc:Choice>
-        <mc:Fallback>
+        <mc:Fallback xmlns="">
           <p:pic>
             <p:nvPicPr>
               <p:cNvPr id="72" name="Freihand 71">
@@ -18267,8 +18728,8 @@
           </p:pic>
         </mc:Fallback>
       </mc:AlternateContent>
-      <mc:AlternateContent xmlns:mc="http://schemas.openxmlformats.org/markup-compatibility/2006">
-        <mc:Choice xmlns:p14="http://schemas.microsoft.com/office/powerpoint/2010/main" Requires="p14">
+      <mc:AlternateContent xmlns:mc="http://schemas.openxmlformats.org/markup-compatibility/2006" xmlns:p14="http://schemas.microsoft.com/office/powerpoint/2010/main">
+        <mc:Choice Requires="p14">
           <p:contentPart p14:bwMode="auto" r:id="rId33">
             <p14:nvContentPartPr>
               <p14:cNvPr id="73" name="Freihand 72">
@@ -18287,7 +18748,7 @@
             </p14:xfrm>
           </p:contentPart>
         </mc:Choice>
-        <mc:Fallback>
+        <mc:Fallback xmlns="">
           <p:pic>
             <p:nvPicPr>
               <p:cNvPr id="73" name="Freihand 72">
@@ -18318,8 +18779,8 @@
           </p:pic>
         </mc:Fallback>
       </mc:AlternateContent>
-      <mc:AlternateContent xmlns:mc="http://schemas.openxmlformats.org/markup-compatibility/2006">
-        <mc:Choice xmlns:p14="http://schemas.microsoft.com/office/powerpoint/2010/main" Requires="p14">
+      <mc:AlternateContent xmlns:mc="http://schemas.openxmlformats.org/markup-compatibility/2006" xmlns:p14="http://schemas.microsoft.com/office/powerpoint/2010/main">
+        <mc:Choice Requires="p14">
           <p:contentPart p14:bwMode="auto" r:id="rId35">
             <p14:nvContentPartPr>
               <p14:cNvPr id="74" name="Freihand 73">
@@ -18338,7 +18799,7 @@
             </p14:xfrm>
           </p:contentPart>
         </mc:Choice>
-        <mc:Fallback>
+        <mc:Fallback xmlns="">
           <p:pic>
             <p:nvPicPr>
               <p:cNvPr id="74" name="Freihand 73">
@@ -18369,8 +18830,8 @@
           </p:pic>
         </mc:Fallback>
       </mc:AlternateContent>
-      <mc:AlternateContent xmlns:mc="http://schemas.openxmlformats.org/markup-compatibility/2006">
-        <mc:Choice xmlns:p14="http://schemas.microsoft.com/office/powerpoint/2010/main" Requires="p14">
+      <mc:AlternateContent xmlns:mc="http://schemas.openxmlformats.org/markup-compatibility/2006" xmlns:p14="http://schemas.microsoft.com/office/powerpoint/2010/main">
+        <mc:Choice Requires="p14">
           <p:contentPart p14:bwMode="auto" r:id="rId37">
             <p14:nvContentPartPr>
               <p14:cNvPr id="76" name="Freihand 75">
@@ -18389,7 +18850,7 @@
             </p14:xfrm>
           </p:contentPart>
         </mc:Choice>
-        <mc:Fallback>
+        <mc:Fallback xmlns="">
           <p:pic>
             <p:nvPicPr>
               <p:cNvPr id="76" name="Freihand 75">
@@ -18420,8 +18881,8 @@
           </p:pic>
         </mc:Fallback>
       </mc:AlternateContent>
-      <mc:AlternateContent xmlns:mc="http://schemas.openxmlformats.org/markup-compatibility/2006">
-        <mc:Choice xmlns:p14="http://schemas.microsoft.com/office/powerpoint/2010/main" Requires="p14">
+      <mc:AlternateContent xmlns:mc="http://schemas.openxmlformats.org/markup-compatibility/2006" xmlns:p14="http://schemas.microsoft.com/office/powerpoint/2010/main">
+        <mc:Choice Requires="p14">
           <p:contentPart p14:bwMode="auto" r:id="rId39">
             <p14:nvContentPartPr>
               <p14:cNvPr id="77" name="Freihand 76">
@@ -18440,7 +18901,7 @@
             </p14:xfrm>
           </p:contentPart>
         </mc:Choice>
-        <mc:Fallback>
+        <mc:Fallback xmlns="">
           <p:pic>
             <p:nvPicPr>
               <p:cNvPr id="77" name="Freihand 76">
@@ -18471,8 +18932,8 @@
           </p:pic>
         </mc:Fallback>
       </mc:AlternateContent>
-      <mc:AlternateContent xmlns:mc="http://schemas.openxmlformats.org/markup-compatibility/2006">
-        <mc:Choice xmlns:p14="http://schemas.microsoft.com/office/powerpoint/2010/main" Requires="p14">
+      <mc:AlternateContent xmlns:mc="http://schemas.openxmlformats.org/markup-compatibility/2006" xmlns:p14="http://schemas.microsoft.com/office/powerpoint/2010/main">
+        <mc:Choice Requires="p14">
           <p:contentPart p14:bwMode="auto" r:id="rId41">
             <p14:nvContentPartPr>
               <p14:cNvPr id="78" name="Freihand 77">
@@ -18491,7 +18952,7 @@
             </p14:xfrm>
           </p:contentPart>
         </mc:Choice>
-        <mc:Fallback>
+        <mc:Fallback xmlns="">
           <p:pic>
             <p:nvPicPr>
               <p:cNvPr id="78" name="Freihand 77">
@@ -18542,8 +19003,8 @@
             <a:chExt cx="1402200" cy="944405"/>
           </a:xfrm>
         </p:grpSpPr>
-        <mc:AlternateContent xmlns:mc="http://schemas.openxmlformats.org/markup-compatibility/2006">
-          <mc:Choice xmlns:p14="http://schemas.microsoft.com/office/powerpoint/2010/main" Requires="p14">
+        <mc:AlternateContent xmlns:mc="http://schemas.openxmlformats.org/markup-compatibility/2006" xmlns:p14="http://schemas.microsoft.com/office/powerpoint/2010/main">
+          <mc:Choice Requires="p14">
             <p:contentPart p14:bwMode="auto" r:id="rId43">
               <p14:nvContentPartPr>
                 <p14:cNvPr id="54" name="Freihand 53">
@@ -18562,7 +19023,7 @@
               </p14:xfrm>
             </p:contentPart>
           </mc:Choice>
-          <mc:Fallback>
+          <mc:Fallback xmlns="">
             <p:pic>
               <p:nvPicPr>
                 <p:cNvPr id="54" name="Freihand 53">
@@ -18593,8 +19054,8 @@
             </p:pic>
           </mc:Fallback>
         </mc:AlternateContent>
-        <mc:AlternateContent xmlns:mc="http://schemas.openxmlformats.org/markup-compatibility/2006">
-          <mc:Choice xmlns:p14="http://schemas.microsoft.com/office/powerpoint/2010/main" Requires="p14">
+        <mc:AlternateContent xmlns:mc="http://schemas.openxmlformats.org/markup-compatibility/2006" xmlns:p14="http://schemas.microsoft.com/office/powerpoint/2010/main">
+          <mc:Choice Requires="p14">
             <p:contentPart p14:bwMode="auto" r:id="rId45">
               <p14:nvContentPartPr>
                 <p14:cNvPr id="55" name="Freihand 54">
@@ -18613,7 +19074,7 @@
               </p14:xfrm>
             </p:contentPart>
           </mc:Choice>
-          <mc:Fallback>
+          <mc:Fallback xmlns="">
             <p:pic>
               <p:nvPicPr>
                 <p:cNvPr id="55" name="Freihand 54">
@@ -18644,8 +19105,8 @@
             </p:pic>
           </mc:Fallback>
         </mc:AlternateContent>
-        <mc:AlternateContent xmlns:mc="http://schemas.openxmlformats.org/markup-compatibility/2006">
-          <mc:Choice xmlns:p14="http://schemas.microsoft.com/office/powerpoint/2010/main" Requires="p14">
+        <mc:AlternateContent xmlns:mc="http://schemas.openxmlformats.org/markup-compatibility/2006" xmlns:p14="http://schemas.microsoft.com/office/powerpoint/2010/main">
+          <mc:Choice Requires="p14">
             <p:contentPart p14:bwMode="auto" r:id="rId47">
               <p14:nvContentPartPr>
                 <p14:cNvPr id="81" name="Freihand 80">
@@ -18664,7 +19125,7 @@
               </p14:xfrm>
             </p:contentPart>
           </mc:Choice>
-          <mc:Fallback>
+          <mc:Fallback xmlns="">
             <p:pic>
               <p:nvPicPr>
                 <p:cNvPr id="81" name="Freihand 80">
@@ -28299,6 +28760,465 @@
           </a:p>
         </p:txBody>
       </p:sp>
+      <mc:AlternateContent xmlns:mc="http://schemas.openxmlformats.org/markup-compatibility/2006">
+        <mc:Choice xmlns:p14="http://schemas.microsoft.com/office/powerpoint/2010/main" Requires="p14">
+          <p:contentPart p14:bwMode="auto" r:id="rId49">
+            <p14:nvContentPartPr>
+              <p14:cNvPr id="6" name="Freihand 5">
+                <a:extLst>
+                  <a:ext uri="{FF2B5EF4-FFF2-40B4-BE49-F238E27FC236}">
+                    <a16:creationId xmlns:a16="http://schemas.microsoft.com/office/drawing/2014/main" id="{C4E3C52B-5830-44A6-8B10-5DBADE778D9D}"/>
+                  </a:ext>
+                </a:extLst>
+              </p14:cNvPr>
+              <p14:cNvContentPartPr/>
+              <p14:nvPr/>
+            </p14:nvContentPartPr>
+            <p14:xfrm>
+              <a:off x="5586079" y="4121153"/>
+              <a:ext cx="1265400" cy="360"/>
+            </p14:xfrm>
+          </p:contentPart>
+        </mc:Choice>
+        <mc:Fallback>
+          <p:pic>
+            <p:nvPicPr>
+              <p:cNvPr id="6" name="Freihand 5">
+                <a:extLst>
+                  <a:ext uri="{FF2B5EF4-FFF2-40B4-BE49-F238E27FC236}">
+                    <a16:creationId xmlns:a16="http://schemas.microsoft.com/office/drawing/2014/main" id="{C4E3C52B-5830-44A6-8B10-5DBADE778D9D}"/>
+                  </a:ext>
+                </a:extLst>
+              </p:cNvPr>
+              <p:cNvPicPr/>
+              <p:nvPr/>
+            </p:nvPicPr>
+            <p:blipFill>
+              <a:blip r:embed="rId50"/>
+              <a:stretch>
+                <a:fillRect/>
+              </a:stretch>
+            </p:blipFill>
+            <p:spPr>
+              <a:xfrm>
+                <a:off x="5568439" y="4103513"/>
+                <a:ext cx="1301040" cy="36000"/>
+              </a:xfrm>
+              <a:prstGeom prst="rect">
+                <a:avLst/>
+              </a:prstGeom>
+            </p:spPr>
+          </p:pic>
+        </mc:Fallback>
+      </mc:AlternateContent>
+      <mc:AlternateContent xmlns:mc="http://schemas.openxmlformats.org/markup-compatibility/2006">
+        <mc:Choice xmlns:p14="http://schemas.microsoft.com/office/powerpoint/2010/main" Requires="p14">
+          <p:contentPart p14:bwMode="auto" r:id="rId51">
+            <p14:nvContentPartPr>
+              <p14:cNvPr id="7" name="Freihand 6">
+                <a:extLst>
+                  <a:ext uri="{FF2B5EF4-FFF2-40B4-BE49-F238E27FC236}">
+                    <a16:creationId xmlns:a16="http://schemas.microsoft.com/office/drawing/2014/main" id="{39F6DD3C-77A1-42B9-B995-77E028109ED3}"/>
+                  </a:ext>
+                </a:extLst>
+              </p14:cNvPr>
+              <p14:cNvContentPartPr/>
+              <p14:nvPr/>
+            </p14:nvContentPartPr>
+            <p14:xfrm>
+              <a:off x="5238319" y="4128893"/>
+              <a:ext cx="337680" cy="585000"/>
+            </p14:xfrm>
+          </p:contentPart>
+        </mc:Choice>
+        <mc:Fallback>
+          <p:pic>
+            <p:nvPicPr>
+              <p:cNvPr id="7" name="Freihand 6">
+                <a:extLst>
+                  <a:ext uri="{FF2B5EF4-FFF2-40B4-BE49-F238E27FC236}">
+                    <a16:creationId xmlns:a16="http://schemas.microsoft.com/office/drawing/2014/main" id="{39F6DD3C-77A1-42B9-B995-77E028109ED3}"/>
+                  </a:ext>
+                </a:extLst>
+              </p:cNvPr>
+              <p:cNvPicPr/>
+              <p:nvPr/>
+            </p:nvPicPr>
+            <p:blipFill>
+              <a:blip r:embed="rId52"/>
+              <a:stretch>
+                <a:fillRect/>
+              </a:stretch>
+            </p:blipFill>
+            <p:spPr>
+              <a:xfrm>
+                <a:off x="5220679" y="4111253"/>
+                <a:ext cx="373320" cy="620640"/>
+              </a:xfrm>
+              <a:prstGeom prst="rect">
+                <a:avLst/>
+              </a:prstGeom>
+            </p:spPr>
+          </p:pic>
+        </mc:Fallback>
+      </mc:AlternateContent>
+      <mc:AlternateContent xmlns:mc="http://schemas.openxmlformats.org/markup-compatibility/2006">
+        <mc:Choice xmlns:p14="http://schemas.microsoft.com/office/powerpoint/2010/main" Requires="p14">
+          <p:contentPart p14:bwMode="auto" r:id="rId53">
+            <p14:nvContentPartPr>
+              <p14:cNvPr id="8" name="Freihand 7">
+                <a:extLst>
+                  <a:ext uri="{FF2B5EF4-FFF2-40B4-BE49-F238E27FC236}">
+                    <a16:creationId xmlns:a16="http://schemas.microsoft.com/office/drawing/2014/main" id="{461F7D74-28FD-4FB7-BE23-5CB20A9F5FDA}"/>
+                  </a:ext>
+                </a:extLst>
+              </p14:cNvPr>
+              <p14:cNvContentPartPr/>
+              <p14:nvPr/>
+            </p14:nvContentPartPr>
+            <p14:xfrm>
+              <a:off x="5232919" y="4721993"/>
+              <a:ext cx="182880" cy="597240"/>
+            </p14:xfrm>
+          </p:contentPart>
+        </mc:Choice>
+        <mc:Fallback>
+          <p:pic>
+            <p:nvPicPr>
+              <p:cNvPr id="8" name="Freihand 7">
+                <a:extLst>
+                  <a:ext uri="{FF2B5EF4-FFF2-40B4-BE49-F238E27FC236}">
+                    <a16:creationId xmlns:a16="http://schemas.microsoft.com/office/drawing/2014/main" id="{461F7D74-28FD-4FB7-BE23-5CB20A9F5FDA}"/>
+                  </a:ext>
+                </a:extLst>
+              </p:cNvPr>
+              <p:cNvPicPr/>
+              <p:nvPr/>
+            </p:nvPicPr>
+            <p:blipFill>
+              <a:blip r:embed="rId54"/>
+              <a:stretch>
+                <a:fillRect/>
+              </a:stretch>
+            </p:blipFill>
+            <p:spPr>
+              <a:xfrm>
+                <a:off x="5215279" y="4704353"/>
+                <a:ext cx="218520" cy="632880"/>
+              </a:xfrm>
+              <a:prstGeom prst="rect">
+                <a:avLst/>
+              </a:prstGeom>
+            </p:spPr>
+          </p:pic>
+        </mc:Fallback>
+      </mc:AlternateContent>
+      <mc:AlternateContent xmlns:mc="http://schemas.openxmlformats.org/markup-compatibility/2006">
+        <mc:Choice xmlns:p14="http://schemas.microsoft.com/office/powerpoint/2010/main" Requires="p14">
+          <p:contentPart p14:bwMode="auto" r:id="rId55">
+            <p14:nvContentPartPr>
+              <p14:cNvPr id="9" name="Freihand 8">
+                <a:extLst>
+                  <a:ext uri="{FF2B5EF4-FFF2-40B4-BE49-F238E27FC236}">
+                    <a16:creationId xmlns:a16="http://schemas.microsoft.com/office/drawing/2014/main" id="{C86C3215-EB90-40C6-B866-FF7767C202EB}"/>
+                  </a:ext>
+                </a:extLst>
+              </p14:cNvPr>
+              <p14:cNvContentPartPr/>
+              <p14:nvPr/>
+            </p14:nvContentPartPr>
+            <p14:xfrm>
+              <a:off x="5414719" y="5321393"/>
+              <a:ext cx="1594440" cy="360"/>
+            </p14:xfrm>
+          </p:contentPart>
+        </mc:Choice>
+        <mc:Fallback>
+          <p:pic>
+            <p:nvPicPr>
+              <p:cNvPr id="9" name="Freihand 8">
+                <a:extLst>
+                  <a:ext uri="{FF2B5EF4-FFF2-40B4-BE49-F238E27FC236}">
+                    <a16:creationId xmlns:a16="http://schemas.microsoft.com/office/drawing/2014/main" id="{C86C3215-EB90-40C6-B866-FF7767C202EB}"/>
+                  </a:ext>
+                </a:extLst>
+              </p:cNvPr>
+              <p:cNvPicPr/>
+              <p:nvPr/>
+            </p:nvPicPr>
+            <p:blipFill>
+              <a:blip r:embed="rId56"/>
+              <a:stretch>
+                <a:fillRect/>
+              </a:stretch>
+            </p:blipFill>
+            <p:spPr>
+              <a:xfrm>
+                <a:off x="5396719" y="5303393"/>
+                <a:ext cx="1630080" cy="36000"/>
+              </a:xfrm>
+              <a:prstGeom prst="rect">
+                <a:avLst/>
+              </a:prstGeom>
+            </p:spPr>
+          </p:pic>
+        </mc:Fallback>
+      </mc:AlternateContent>
+      <mc:AlternateContent xmlns:mc="http://schemas.openxmlformats.org/markup-compatibility/2006">
+        <mc:Choice xmlns:p14="http://schemas.microsoft.com/office/powerpoint/2010/main" Requires="p14">
+          <p:contentPart p14:bwMode="auto" r:id="rId57">
+            <p14:nvContentPartPr>
+              <p14:cNvPr id="10" name="Freihand 9">
+                <a:extLst>
+                  <a:ext uri="{FF2B5EF4-FFF2-40B4-BE49-F238E27FC236}">
+                    <a16:creationId xmlns:a16="http://schemas.microsoft.com/office/drawing/2014/main" id="{7C93904F-229A-4F69-9CC0-D2B099D58641}"/>
+                  </a:ext>
+                </a:extLst>
+              </p14:cNvPr>
+              <p14:cNvContentPartPr/>
+              <p14:nvPr/>
+            </p14:nvContentPartPr>
+            <p14:xfrm>
+              <a:off x="7153519" y="4731353"/>
+              <a:ext cx="25200" cy="86400"/>
+            </p14:xfrm>
+          </p:contentPart>
+        </mc:Choice>
+        <mc:Fallback>
+          <p:pic>
+            <p:nvPicPr>
+              <p:cNvPr id="10" name="Freihand 9">
+                <a:extLst>
+                  <a:ext uri="{FF2B5EF4-FFF2-40B4-BE49-F238E27FC236}">
+                    <a16:creationId xmlns:a16="http://schemas.microsoft.com/office/drawing/2014/main" id="{7C93904F-229A-4F69-9CC0-D2B099D58641}"/>
+                  </a:ext>
+                </a:extLst>
+              </p:cNvPr>
+              <p:cNvPicPr/>
+              <p:nvPr/>
+            </p:nvPicPr>
+            <p:blipFill>
+              <a:blip r:embed="rId58"/>
+              <a:stretch>
+                <a:fillRect/>
+              </a:stretch>
+            </p:blipFill>
+            <p:spPr>
+              <a:xfrm>
+                <a:off x="7135519" y="4713353"/>
+                <a:ext cx="60840" cy="122040"/>
+              </a:xfrm>
+              <a:prstGeom prst="rect">
+                <a:avLst/>
+              </a:prstGeom>
+            </p:spPr>
+          </p:pic>
+        </mc:Fallback>
+      </mc:AlternateContent>
+      <mc:AlternateContent xmlns:mc="http://schemas.openxmlformats.org/markup-compatibility/2006">
+        <mc:Choice xmlns:p14="http://schemas.microsoft.com/office/powerpoint/2010/main" Requires="p14">
+          <p:contentPart p14:bwMode="auto" r:id="rId59">
+            <p14:nvContentPartPr>
+              <p14:cNvPr id="11" name="Freihand 10">
+                <a:extLst>
+                  <a:ext uri="{FF2B5EF4-FFF2-40B4-BE49-F238E27FC236}">
+                    <a16:creationId xmlns:a16="http://schemas.microsoft.com/office/drawing/2014/main" id="{879777EC-4036-47A8-8EBA-D4987D717260}"/>
+                  </a:ext>
+                </a:extLst>
+              </p14:cNvPr>
+              <p14:cNvContentPartPr/>
+              <p14:nvPr/>
+            </p14:nvContentPartPr>
+            <p14:xfrm>
+              <a:off x="7011319" y="5081273"/>
+              <a:ext cx="66960" cy="232560"/>
+            </p14:xfrm>
+          </p:contentPart>
+        </mc:Choice>
+        <mc:Fallback>
+          <p:pic>
+            <p:nvPicPr>
+              <p:cNvPr id="11" name="Freihand 10">
+                <a:extLst>
+                  <a:ext uri="{FF2B5EF4-FFF2-40B4-BE49-F238E27FC236}">
+                    <a16:creationId xmlns:a16="http://schemas.microsoft.com/office/drawing/2014/main" id="{879777EC-4036-47A8-8EBA-D4987D717260}"/>
+                  </a:ext>
+                </a:extLst>
+              </p:cNvPr>
+              <p:cNvPicPr/>
+              <p:nvPr/>
+            </p:nvPicPr>
+            <p:blipFill>
+              <a:blip r:embed="rId60"/>
+              <a:stretch>
+                <a:fillRect/>
+              </a:stretch>
+            </p:blipFill>
+            <p:spPr>
+              <a:xfrm>
+                <a:off x="6993319" y="5063633"/>
+                <a:ext cx="102600" cy="268200"/>
+              </a:xfrm>
+              <a:prstGeom prst="rect">
+                <a:avLst/>
+              </a:prstGeom>
+            </p:spPr>
+          </p:pic>
+        </mc:Fallback>
+      </mc:AlternateContent>
+      <mc:AlternateContent xmlns:mc="http://schemas.openxmlformats.org/markup-compatibility/2006">
+        <mc:Choice xmlns:p14="http://schemas.microsoft.com/office/powerpoint/2010/main" Requires="p14">
+          <p:contentPart p14:bwMode="auto" r:id="rId61">
+            <p14:nvContentPartPr>
+              <p14:cNvPr id="15" name="Freihand 14">
+                <a:extLst>
+                  <a:ext uri="{FF2B5EF4-FFF2-40B4-BE49-F238E27FC236}">
+                    <a16:creationId xmlns:a16="http://schemas.microsoft.com/office/drawing/2014/main" id="{4CF5E37D-4E4C-4E03-B90C-024FC1E62A73}"/>
+                  </a:ext>
+                </a:extLst>
+              </p14:cNvPr>
+              <p14:cNvContentPartPr/>
+              <p14:nvPr/>
+            </p14:nvContentPartPr>
+            <p14:xfrm>
+              <a:off x="6846079" y="4126733"/>
+              <a:ext cx="13320" cy="24840"/>
+            </p14:xfrm>
+          </p:contentPart>
+        </mc:Choice>
+        <mc:Fallback>
+          <p:pic>
+            <p:nvPicPr>
+              <p:cNvPr id="15" name="Freihand 14">
+                <a:extLst>
+                  <a:ext uri="{FF2B5EF4-FFF2-40B4-BE49-F238E27FC236}">
+                    <a16:creationId xmlns:a16="http://schemas.microsoft.com/office/drawing/2014/main" id="{4CF5E37D-4E4C-4E03-B90C-024FC1E62A73}"/>
+                  </a:ext>
+                </a:extLst>
+              </p:cNvPr>
+              <p:cNvPicPr/>
+              <p:nvPr/>
+            </p:nvPicPr>
+            <p:blipFill>
+              <a:blip r:embed="rId62"/>
+              <a:stretch>
+                <a:fillRect/>
+              </a:stretch>
+            </p:blipFill>
+            <p:spPr>
+              <a:xfrm>
+                <a:off x="6828439" y="4108733"/>
+                <a:ext cx="48960" cy="60480"/>
+              </a:xfrm>
+              <a:prstGeom prst="rect">
+                <a:avLst/>
+              </a:prstGeom>
+            </p:spPr>
+          </p:pic>
+        </mc:Fallback>
+      </mc:AlternateContent>
+      <mc:AlternateContent xmlns:mc="http://schemas.openxmlformats.org/markup-compatibility/2006">
+        <mc:Choice xmlns:p14="http://schemas.microsoft.com/office/powerpoint/2010/main" Requires="p14">
+          <p:contentPart p14:bwMode="auto" r:id="rId63">
+            <p14:nvContentPartPr>
+              <p14:cNvPr id="17" name="Freihand 16">
+                <a:extLst>
+                  <a:ext uri="{FF2B5EF4-FFF2-40B4-BE49-F238E27FC236}">
+                    <a16:creationId xmlns:a16="http://schemas.microsoft.com/office/drawing/2014/main" id="{C598B186-952F-47C9-99F3-F6DCD69DD2D2}"/>
+                  </a:ext>
+                </a:extLst>
+              </p14:cNvPr>
+              <p14:cNvContentPartPr/>
+              <p14:nvPr/>
+            </p14:nvContentPartPr>
+            <p14:xfrm>
+              <a:off x="6933199" y="4290173"/>
+              <a:ext cx="231840" cy="435960"/>
+            </p14:xfrm>
+          </p:contentPart>
+        </mc:Choice>
+        <mc:Fallback>
+          <p:pic>
+            <p:nvPicPr>
+              <p:cNvPr id="17" name="Freihand 16">
+                <a:extLst>
+                  <a:ext uri="{FF2B5EF4-FFF2-40B4-BE49-F238E27FC236}">
+                    <a16:creationId xmlns:a16="http://schemas.microsoft.com/office/drawing/2014/main" id="{C598B186-952F-47C9-99F3-F6DCD69DD2D2}"/>
+                  </a:ext>
+                </a:extLst>
+              </p:cNvPr>
+              <p:cNvPicPr/>
+              <p:nvPr/>
+            </p:nvPicPr>
+            <p:blipFill>
+              <a:blip r:embed="rId64"/>
+              <a:stretch>
+                <a:fillRect/>
+              </a:stretch>
+            </p:blipFill>
+            <p:spPr>
+              <a:xfrm>
+                <a:off x="6915559" y="4272533"/>
+                <a:ext cx="267480" cy="471600"/>
+              </a:xfrm>
+              <a:prstGeom prst="rect">
+                <a:avLst/>
+              </a:prstGeom>
+            </p:spPr>
+          </p:pic>
+        </mc:Fallback>
+      </mc:AlternateContent>
+      <mc:AlternateContent xmlns:mc="http://schemas.openxmlformats.org/markup-compatibility/2006">
+        <mc:Choice xmlns:p14="http://schemas.microsoft.com/office/powerpoint/2010/main" Requires="p14">
+          <p:contentPart p14:bwMode="auto" r:id="rId65">
+            <p14:nvContentPartPr>
+              <p14:cNvPr id="18" name="Freihand 17">
+                <a:extLst>
+                  <a:ext uri="{FF2B5EF4-FFF2-40B4-BE49-F238E27FC236}">
+                    <a16:creationId xmlns:a16="http://schemas.microsoft.com/office/drawing/2014/main" id="{58C71C4A-0EE9-4A0D-895F-45B0ED423473}"/>
+                  </a:ext>
+                </a:extLst>
+              </p14:cNvPr>
+              <p14:cNvContentPartPr/>
+              <p14:nvPr/>
+            </p14:nvContentPartPr>
+            <p14:xfrm>
+              <a:off x="6850234" y="4131735"/>
+              <a:ext cx="226440" cy="425520"/>
+            </p14:xfrm>
+          </p:contentPart>
+        </mc:Choice>
+        <mc:Fallback>
+          <p:pic>
+            <p:nvPicPr>
+              <p:cNvPr id="18" name="Freihand 17">
+                <a:extLst>
+                  <a:ext uri="{FF2B5EF4-FFF2-40B4-BE49-F238E27FC236}">
+                    <a16:creationId xmlns:a16="http://schemas.microsoft.com/office/drawing/2014/main" id="{58C71C4A-0EE9-4A0D-895F-45B0ED423473}"/>
+                  </a:ext>
+                </a:extLst>
+              </p:cNvPr>
+              <p:cNvPicPr/>
+              <p:nvPr/>
+            </p:nvPicPr>
+            <p:blipFill>
+              <a:blip r:embed="rId66"/>
+              <a:stretch>
+                <a:fillRect/>
+              </a:stretch>
+            </p:blipFill>
+            <p:spPr>
+              <a:xfrm>
+                <a:off x="6832234" y="4113735"/>
+                <a:ext cx="262080" cy="461160"/>
+              </a:xfrm>
+              <a:prstGeom prst="rect">
+                <a:avLst/>
+              </a:prstGeom>
+            </p:spPr>
+          </p:pic>
+        </mc:Fallback>
+      </mc:AlternateContent>
       <p:sp>
         <p:nvSpPr>
           <p:cNvPr id="96" name="Ellipse 95">
